--- a/docs/mm2-diagrams.pptx
+++ b/docs/mm2-diagrams.pptx
@@ -235,7 +235,7 @@
           <a:p>
             <a:fld id="{43B1B1F9-D0CB-FF4D-BEE0-BED1F1FDA196}" type="datetimeFigureOut">
               <a:rPr lang="en-US" smtClean="0"/>
-              <a:t>5/15/20</a:t>
+              <a:t>7/28/20</a:t>
             </a:fld>
             <a:endParaRPr lang="en-US"/>
           </a:p>
@@ -400,7 +400,7 @@
           <a:p>
             <a:fld id="{26BE012A-D992-5D42-B86E-AA2BC0764EE1}" type="datetimeFigureOut">
               <a:rPr lang="en-US" smtClean="0"/>
-              <a:t>5/15/20</a:t>
+              <a:t>7/28/20</a:t>
             </a:fld>
             <a:endParaRPr lang="en-US"/>
           </a:p>
@@ -3442,14 +3442,14 @@
           </a:ln>
           <a:extLst>
             <a:ext uri="{909E8E84-426E-40dd-AFC4-6F175D3DCCD1}">
-              <a14:hiddenFill xmlns:a14="http://schemas.microsoft.com/office/drawing/2010/main" xmlns="">
+              <a14:hiddenFill xmlns="" xmlns:a14="http://schemas.microsoft.com/office/drawing/2010/main">
                 <a:solidFill>
                   <a:srgbClr val="FFFFFF"/>
                 </a:solidFill>
               </a14:hiddenFill>
             </a:ext>
             <a:ext uri="{91240B29-F687-4f45-9708-019B960494DF}">
-              <a14:hiddenLine xmlns:a14="http://schemas.microsoft.com/office/drawing/2010/main" xmlns="" w="9525">
+              <a14:hiddenLine xmlns="" xmlns:a14="http://schemas.microsoft.com/office/drawing/2010/main" w="9525">
                 <a:solidFill>
                   <a:srgbClr val="000000"/>
                 </a:solidFill>
@@ -3501,14 +3501,14 @@
           <a:effectLst/>
           <a:extLst>
             <a:ext uri="{909E8E84-426E-40dd-AFC4-6F175D3DCCD1}">
-              <a14:hiddenFill xmlns:a14="http://schemas.microsoft.com/office/drawing/2010/main" xmlns="">
+              <a14:hiddenFill xmlns="" xmlns:a14="http://schemas.microsoft.com/office/drawing/2010/main">
                 <a:solidFill>
                   <a:schemeClr val="accent1"/>
                 </a:solidFill>
               </a14:hiddenFill>
             </a:ext>
             <a:ext uri="{91240B29-F687-4f45-9708-019B960494DF}">
-              <a14:hiddenLine xmlns:a14="http://schemas.microsoft.com/office/drawing/2010/main" xmlns="" w="9525">
+              <a14:hiddenLine xmlns="" xmlns:a14="http://schemas.microsoft.com/office/drawing/2010/main" w="9525">
                 <a:solidFill>
                   <a:schemeClr val="tx1"/>
                 </a:solidFill>
@@ -3518,7 +3518,7 @@
               </a14:hiddenLine>
             </a:ext>
             <a:ext uri="{AF507438-7753-43e0-B8FC-AC1667EBCBE1}">
-              <a14:hiddenEffects xmlns:a14="http://schemas.microsoft.com/office/drawing/2010/main" xmlns="">
+              <a14:hiddenEffects xmlns="" xmlns:a14="http://schemas.microsoft.com/office/drawing/2010/main">
                 <a:effectLst>
                   <a:outerShdw blurRad="63500" dist="38099" dir="2700000" algn="ctr" rotWithShape="0">
                     <a:schemeClr val="bg2">
@@ -4234,10 +4234,10 @@
           </a:ln>
           <a:extLst>
             <a:ext uri="{FAA26D3D-D897-4be2-8F04-BA451C77F1D7}">
-              <ma14:placeholderFlag xmlns="" xmlns:ma14="http://schemas.microsoft.com/office/mac/drawingml/2011/main" val="1"/>
+              <ma14:placeholderFlag xmlns:ma14="http://schemas.microsoft.com/office/mac/drawingml/2011/main" xmlns="" val="1"/>
             </a:ext>
             <a:ext uri="{909E8E84-426E-40dd-AFC4-6F175D3DCCD1}">
-              <a14:hiddenFill xmlns="" xmlns:a14="http://schemas.microsoft.com/office/drawing/2010/main">
+              <a14:hiddenFill xmlns:a14="http://schemas.microsoft.com/office/drawing/2010/main" xmlns="">
                 <a:solidFill>
                   <a:srgbClr val="FFFFFF"/>
                 </a:solidFill>
@@ -4288,10 +4288,10 @@
           </a:ln>
           <a:extLst>
             <a:ext uri="{FAA26D3D-D897-4be2-8F04-BA451C77F1D7}">
-              <ma14:placeholderFlag xmlns="" xmlns:ma14="http://schemas.microsoft.com/office/mac/drawingml/2011/main" val="1"/>
+              <ma14:placeholderFlag xmlns:ma14="http://schemas.microsoft.com/office/mac/drawingml/2011/main" xmlns="" val="1"/>
             </a:ext>
             <a:ext uri="{909E8E84-426E-40dd-AFC4-6F175D3DCCD1}">
-              <a14:hiddenFill xmlns="" xmlns:a14="http://schemas.microsoft.com/office/drawing/2010/main">
+              <a14:hiddenFill xmlns:a14="http://schemas.microsoft.com/office/drawing/2010/main" xmlns="">
                 <a:solidFill>
                   <a:srgbClr val="FFFFFF"/>
                 </a:solidFill>
@@ -35998,7 +35998,7 @@
         </p:nvSpPr>
         <p:spPr>
           <a:xfrm>
-            <a:off x="3442777" y="1783213"/>
+            <a:off x="3099300" y="1810645"/>
             <a:ext cx="1136158" cy="336180"/>
           </a:xfrm>
           <a:prstGeom prst="rect">
@@ -36069,7 +36069,7 @@
         </p:nvSpPr>
         <p:spPr bwMode="auto">
           <a:xfrm>
-            <a:off x="3418546" y="1559859"/>
+            <a:off x="3075069" y="1587291"/>
             <a:ext cx="2807441" cy="2985247"/>
           </a:xfrm>
           <a:prstGeom prst="roundRect">
@@ -36141,7 +36141,7 @@
         </p:nvSpPr>
         <p:spPr bwMode="auto">
           <a:xfrm>
-            <a:off x="6347447" y="2017910"/>
+            <a:off x="6003970" y="2045342"/>
             <a:ext cx="2393141" cy="2527196"/>
           </a:xfrm>
           <a:prstGeom prst="roundRect">
@@ -36213,7 +36213,7 @@
         </p:blipFill>
         <p:spPr>
           <a:xfrm>
-            <a:off x="6357358" y="2021413"/>
+            <a:off x="6013881" y="2048845"/>
             <a:ext cx="191007" cy="252252"/>
           </a:xfrm>
           <a:prstGeom prst="rect">
@@ -36237,8 +36237,8 @@
         </p:nvSpPr>
         <p:spPr bwMode="auto">
           <a:xfrm>
-            <a:off x="274460" y="2273665"/>
-            <a:ext cx="2393141" cy="745927"/>
+            <a:off x="274461" y="2273665"/>
+            <a:ext cx="2270924" cy="1831991"/>
           </a:xfrm>
           <a:prstGeom prst="roundRect">
             <a:avLst>
@@ -36331,7 +36331,7 @@
         </p:nvSpPr>
         <p:spPr>
           <a:xfrm>
-            <a:off x="5042690" y="1976654"/>
+            <a:off x="4699213" y="2004086"/>
             <a:ext cx="1136158" cy="336180"/>
           </a:xfrm>
           <a:prstGeom prst="rect">
@@ -36400,7 +36400,7 @@
         </p:nvSpPr>
         <p:spPr>
           <a:xfrm>
-            <a:off x="3442777" y="2163070"/>
+            <a:off x="3099300" y="2190502"/>
             <a:ext cx="1136158" cy="336180"/>
           </a:xfrm>
           <a:prstGeom prst="rect">
@@ -36469,7 +36469,7 @@
         </p:nvSpPr>
         <p:spPr>
           <a:xfrm>
-            <a:off x="5042690" y="2348445"/>
+            <a:off x="4699213" y="2375877"/>
             <a:ext cx="1136158" cy="336180"/>
           </a:xfrm>
           <a:prstGeom prst="rect">
@@ -37081,7 +37081,7 @@
         </p:nvGrpSpPr>
         <p:grpSpPr>
           <a:xfrm>
-            <a:off x="6577453" y="2273665"/>
+            <a:off x="6233976" y="2301097"/>
             <a:ext cx="635153" cy="252252"/>
             <a:chOff x="1193647" y="1635094"/>
             <a:chExt cx="818524" cy="411476"/>
@@ -37624,7 +37624,7 @@
         </p:nvSpPr>
         <p:spPr>
           <a:xfrm>
-            <a:off x="5042690" y="2839659"/>
+            <a:off x="4699213" y="2867091"/>
             <a:ext cx="1136158" cy="336180"/>
           </a:xfrm>
           <a:prstGeom prst="rect">
@@ -37693,7 +37693,7 @@
         </p:nvSpPr>
         <p:spPr>
           <a:xfrm>
-            <a:off x="3508846" y="2884392"/>
+            <a:off x="3165369" y="2911824"/>
             <a:ext cx="1136158" cy="336180"/>
           </a:xfrm>
           <a:prstGeom prst="rect">
@@ -37762,7 +37762,7 @@
         </p:nvSpPr>
         <p:spPr>
           <a:xfrm>
-            <a:off x="3508846" y="3625025"/>
+            <a:off x="3165369" y="3652457"/>
             <a:ext cx="1136158" cy="547636"/>
           </a:xfrm>
           <a:prstGeom prst="rect">
@@ -37831,7 +37831,7 @@
         </p:nvSpPr>
         <p:spPr>
           <a:xfrm>
-            <a:off x="3508846" y="3251626"/>
+            <a:off x="3165369" y="3279058"/>
             <a:ext cx="1136158" cy="336180"/>
           </a:xfrm>
           <a:prstGeom prst="rect">
@@ -37900,7 +37900,7 @@
         </p:nvSpPr>
         <p:spPr>
           <a:xfrm>
-            <a:off x="5042690" y="3220572"/>
+            <a:off x="4699213" y="3248004"/>
             <a:ext cx="1136158" cy="336180"/>
           </a:xfrm>
           <a:prstGeom prst="rect">
@@ -37969,7 +37969,7 @@
         </p:nvSpPr>
         <p:spPr>
           <a:xfrm>
-            <a:off x="5042690" y="3625025"/>
+            <a:off x="4699213" y="3652457"/>
             <a:ext cx="1136158" cy="547636"/>
           </a:xfrm>
           <a:prstGeom prst="rect">
@@ -38038,8 +38038,8 @@
         </p:nvSpPr>
         <p:spPr>
           <a:xfrm>
-            <a:off x="6491822" y="2917427"/>
-            <a:ext cx="2045753" cy="230832"/>
+            <a:off x="6148345" y="2944859"/>
+            <a:ext cx="942887" cy="230832"/>
           </a:xfrm>
           <a:prstGeom prst="rect">
             <a:avLst/>
@@ -38052,12 +38052,12 @@
           <a:lstStyle/>
           <a:p>
             <a:r>
-              <a:rPr lang="en-US" sz="900">
+              <a:rPr lang="en-US" sz="900" dirty="0">
                 <a:latin typeface="Menlo" panose="020B0609030804020204" pitchFamily="49" charset="0"/>
               </a:rPr>
-              <a:t>mm2-configs.source.internal</a:t>
-            </a:r>
-            <a:endParaRPr lang="en-US" sz="900">
+              <a:t>mm2-configs</a:t>
+            </a:r>
+            <a:endParaRPr lang="en-US" sz="900" dirty="0">
               <a:effectLst/>
               <a:latin typeface="Menlo" panose="020B0609030804020204" pitchFamily="49" charset="0"/>
             </a:endParaRPr>
@@ -38078,8 +38078,8 @@
         </p:nvSpPr>
         <p:spPr>
           <a:xfrm>
-            <a:off x="6558776" y="2088870"/>
-            <a:ext cx="1080745" cy="230832"/>
+            <a:off x="6215299" y="2116302"/>
+            <a:ext cx="942887" cy="230832"/>
           </a:xfrm>
           <a:prstGeom prst="rect">
             <a:avLst/>
@@ -38092,12 +38092,12 @@
           <a:lstStyle/>
           <a:p>
             <a:r>
-              <a:rPr lang="en-US" sz="900">
+              <a:rPr lang="en-US" sz="900" dirty="0">
                 <a:latin typeface="Menlo" panose="020B0609030804020204" pitchFamily="49" charset="0"/>
               </a:rPr>
-              <a:t>source.orders</a:t>
-            </a:r>
-            <a:endParaRPr lang="en-US" sz="900">
+              <a:t>es-1.orders</a:t>
+            </a:r>
+            <a:endParaRPr lang="en-US" sz="900" dirty="0">
               <a:effectLst/>
               <a:latin typeface="Menlo" panose="020B0609030804020204" pitchFamily="49" charset="0"/>
             </a:endParaRPr>
@@ -38118,7 +38118,7 @@
         </p:nvGrpSpPr>
         <p:grpSpPr>
           <a:xfrm>
-            <a:off x="6569937" y="2681243"/>
+            <a:off x="6226460" y="2708675"/>
             <a:ext cx="635153" cy="252252"/>
             <a:chOff x="1193647" y="1635094"/>
             <a:chExt cx="818524" cy="411476"/>
@@ -38701,7 +38701,7 @@
         </p:nvGrpSpPr>
         <p:grpSpPr>
           <a:xfrm>
-            <a:off x="6548365" y="3192975"/>
+            <a:off x="6204888" y="3220407"/>
             <a:ext cx="635153" cy="252252"/>
             <a:chOff x="1193647" y="1635094"/>
             <a:chExt cx="818524" cy="411476"/>
@@ -39244,15 +39244,15 @@
         </p:nvSpPr>
         <p:spPr>
           <a:xfrm>
-            <a:off x="6491822" y="3433623"/>
-            <a:ext cx="4572000" cy="923330"/>
+            <a:off x="6148345" y="3461055"/>
+            <a:ext cx="2588170" cy="923330"/>
           </a:xfrm>
           <a:prstGeom prst="rect">
             <a:avLst/>
           </a:prstGeom>
         </p:spPr>
         <p:txBody>
-          <a:bodyPr>
+          <a:bodyPr wrap="square">
             <a:spAutoFit/>
           </a:bodyPr>
           <a:lstStyle/>
@@ -39286,7 +39286,7 @@
                 </a:solidFill>
                 <a:latin typeface="Menlo" panose="020B0609030804020204" pitchFamily="49" charset="0"/>
               </a:rPr>
-              <a:t>mm2-offsets.source.internal</a:t>
+              <a:t>mm2-offsets</a:t>
             </a:r>
           </a:p>
           <a:p>
@@ -39297,7 +39297,7 @@
                 </a:solidFill>
                 <a:latin typeface="Menlo" panose="020B0609030804020204" pitchFamily="49" charset="0"/>
               </a:rPr>
-              <a:t>mm2-status.source.internal</a:t>
+              <a:t>mm2-status</a:t>
             </a:r>
           </a:p>
           <a:p>
@@ -39308,7 +39308,7 @@
                 </a:solidFill>
                 <a:latin typeface="Menlo" panose="020B0609030804020204" pitchFamily="49" charset="0"/>
               </a:rPr>
-              <a:t>source.checkpoints.internal</a:t>
+              <a:t>es-1.checkpoints.internal</a:t>
             </a:r>
           </a:p>
           <a:p>
@@ -39319,7 +39319,7 @@
                 </a:solidFill>
                 <a:latin typeface="Menlo" panose="020B0609030804020204" pitchFamily="49" charset="0"/>
               </a:rPr>
-              <a:t>source.heartbeats</a:t>
+              <a:t>es-1.heartbeats</a:t>
             </a:r>
             <a:endParaRPr lang="en-US" sz="900" b="0" dirty="0">
               <a:solidFill>
@@ -39348,8 +39348,8 @@
         </p:nvCxnSpPr>
         <p:spPr>
           <a:xfrm rot="5400000" flipH="1" flipV="1">
-            <a:off x="1894704" y="963512"/>
-            <a:ext cx="560282" cy="2535864"/>
+            <a:off x="1736681" y="1148967"/>
+            <a:ext cx="532850" cy="2192387"/>
           </a:xfrm>
           <a:prstGeom prst="bentConnector2">
             <a:avLst/>
@@ -39395,8 +39395,8 @@
         </p:nvCxnSpPr>
         <p:spPr>
           <a:xfrm rot="16200000" flipH="1">
-            <a:off x="6298851" y="1288572"/>
-            <a:ext cx="112216" cy="1488380"/>
+            <a:off x="5920909" y="1350469"/>
+            <a:ext cx="112216" cy="1419451"/>
           </a:xfrm>
           <a:prstGeom prst="bentConnector3">
             <a:avLst>
@@ -39426,6 +39426,589 @@
           </a:fontRef>
         </p:style>
       </p:cxnSp>
+      <p:grpSp>
+        <p:nvGrpSpPr>
+          <p:cNvPr id="53" name="Group 52">
+            <a:extLst>
+              <a:ext uri="{FF2B5EF4-FFF2-40B4-BE49-F238E27FC236}">
+                <a16:creationId xmlns:a16="http://schemas.microsoft.com/office/drawing/2014/main" id="{1A795BFD-87BC-CF45-81D9-26216D60C921}"/>
+              </a:ext>
+            </a:extLst>
+          </p:cNvPr>
+          <p:cNvGrpSpPr/>
+          <p:nvPr/>
+        </p:nvGrpSpPr>
+        <p:grpSpPr>
+          <a:xfrm>
+            <a:off x="533274" y="3220572"/>
+            <a:ext cx="635153" cy="252252"/>
+            <a:chOff x="1193647" y="1635094"/>
+            <a:chExt cx="818524" cy="411476"/>
+          </a:xfrm>
+        </p:grpSpPr>
+        <p:sp>
+          <p:nvSpPr>
+            <p:cNvPr id="54" name="Rounded Rectangle 53">
+              <a:extLst>
+                <a:ext uri="{FF2B5EF4-FFF2-40B4-BE49-F238E27FC236}">
+                  <a16:creationId xmlns:a16="http://schemas.microsoft.com/office/drawing/2014/main" id="{0180D5F0-872A-754F-A4B7-F4193294DF68}"/>
+                </a:ext>
+              </a:extLst>
+            </p:cNvPr>
+            <p:cNvSpPr/>
+            <p:nvPr/>
+          </p:nvSpPr>
+          <p:spPr bwMode="auto">
+            <a:xfrm>
+              <a:off x="1193647" y="1635094"/>
+              <a:ext cx="138128" cy="411476"/>
+            </a:xfrm>
+            <a:prstGeom prst="roundRect">
+              <a:avLst/>
+            </a:prstGeom>
+            <a:solidFill>
+              <a:schemeClr val="bg1">
+                <a:lumMod val="50000"/>
+              </a:schemeClr>
+            </a:solidFill>
+            <a:ln>
+              <a:solidFill>
+                <a:schemeClr val="bg1"/>
+              </a:solidFill>
+              <a:prstDash val="solid"/>
+              <a:headEnd type="none" w="med" len="med"/>
+              <a:tailEnd type="none" w="med" len="med"/>
+            </a:ln>
+            <a:effectLst/>
+          </p:spPr>
+          <p:style>
+            <a:lnRef idx="1">
+              <a:schemeClr val="accent5"/>
+            </a:lnRef>
+            <a:fillRef idx="3">
+              <a:schemeClr val="accent5"/>
+            </a:fillRef>
+            <a:effectRef idx="2">
+              <a:schemeClr val="accent5"/>
+            </a:effectRef>
+            <a:fontRef idx="minor">
+              <a:schemeClr val="lt1"/>
+            </a:fontRef>
+          </p:style>
+          <p:txBody>
+            <a:bodyPr vert="horz" wrap="square" lIns="0" tIns="0" rIns="0" bIns="0" numCol="1" rtlCol="0" anchor="ctr" anchorCtr="0" compatLnSpc="1">
+              <a:prstTxWarp prst="textNoShape">
+                <a:avLst/>
+              </a:prstTxWarp>
+              <a:noAutofit/>
+            </a:bodyPr>
+            <a:lstStyle/>
+            <a:p>
+              <a:pPr algn="ctr" defTabSz="685784" eaLnBrk="0" fontAlgn="base" hangingPunct="0">
+                <a:lnSpc>
+                  <a:spcPct val="90000"/>
+                </a:lnSpc>
+                <a:spcBef>
+                  <a:spcPct val="0"/>
+                </a:spcBef>
+                <a:spcAft>
+                  <a:spcPct val="0"/>
+                </a:spcAft>
+              </a:pPr>
+              <a:r>
+                <a:rPr lang="en-US" sz="675">
+                  <a:solidFill>
+                    <a:srgbClr val="FFFFFF"/>
+                  </a:solidFill>
+                  <a:latin typeface="Arial"/>
+                </a:rPr>
+                <a:t>0</a:t>
+              </a:r>
+              <a:endParaRPr lang="en-US" sz="375">
+                <a:solidFill>
+                  <a:srgbClr val="FFFFFF"/>
+                </a:solidFill>
+                <a:latin typeface="Arial"/>
+              </a:endParaRPr>
+            </a:p>
+          </p:txBody>
+        </p:sp>
+        <p:sp>
+          <p:nvSpPr>
+            <p:cNvPr id="55" name="Rounded Rectangle 54">
+              <a:extLst>
+                <a:ext uri="{FF2B5EF4-FFF2-40B4-BE49-F238E27FC236}">
+                  <a16:creationId xmlns:a16="http://schemas.microsoft.com/office/drawing/2014/main" id="{539D2BA0-E04E-724B-90E1-3DEA15D4B954}"/>
+                </a:ext>
+              </a:extLst>
+            </p:cNvPr>
+            <p:cNvSpPr/>
+            <p:nvPr/>
+          </p:nvSpPr>
+          <p:spPr bwMode="auto">
+            <a:xfrm>
+              <a:off x="1330805" y="1635094"/>
+              <a:ext cx="138128" cy="411476"/>
+            </a:xfrm>
+            <a:prstGeom prst="roundRect">
+              <a:avLst/>
+            </a:prstGeom>
+            <a:solidFill>
+              <a:schemeClr val="bg1">
+                <a:lumMod val="50000"/>
+              </a:schemeClr>
+            </a:solidFill>
+            <a:ln>
+              <a:solidFill>
+                <a:schemeClr val="bg1"/>
+              </a:solidFill>
+              <a:prstDash val="solid"/>
+              <a:headEnd type="none" w="med" len="med"/>
+              <a:tailEnd type="none" w="med" len="med"/>
+            </a:ln>
+            <a:effectLst/>
+          </p:spPr>
+          <p:style>
+            <a:lnRef idx="1">
+              <a:schemeClr val="accent5"/>
+            </a:lnRef>
+            <a:fillRef idx="3">
+              <a:schemeClr val="accent5"/>
+            </a:fillRef>
+            <a:effectRef idx="2">
+              <a:schemeClr val="accent5"/>
+            </a:effectRef>
+            <a:fontRef idx="minor">
+              <a:schemeClr val="lt1"/>
+            </a:fontRef>
+          </p:style>
+          <p:txBody>
+            <a:bodyPr vert="horz" wrap="square" lIns="0" tIns="0" rIns="0" bIns="0" numCol="1" rtlCol="0" anchor="ctr" anchorCtr="0" compatLnSpc="1">
+              <a:prstTxWarp prst="textNoShape">
+                <a:avLst/>
+              </a:prstTxWarp>
+              <a:noAutofit/>
+            </a:bodyPr>
+            <a:lstStyle/>
+            <a:p>
+              <a:pPr algn="ctr" defTabSz="685784" eaLnBrk="0" fontAlgn="base" hangingPunct="0">
+                <a:lnSpc>
+                  <a:spcPct val="90000"/>
+                </a:lnSpc>
+                <a:spcBef>
+                  <a:spcPct val="0"/>
+                </a:spcBef>
+                <a:spcAft>
+                  <a:spcPct val="0"/>
+                </a:spcAft>
+              </a:pPr>
+              <a:r>
+                <a:rPr lang="en-US" sz="675">
+                  <a:solidFill>
+                    <a:srgbClr val="FFFFFF"/>
+                  </a:solidFill>
+                  <a:latin typeface="Arial"/>
+                </a:rPr>
+                <a:t>1</a:t>
+              </a:r>
+              <a:endParaRPr lang="en-US" sz="375">
+                <a:solidFill>
+                  <a:srgbClr val="FFFFFF"/>
+                </a:solidFill>
+                <a:latin typeface="Arial"/>
+              </a:endParaRPr>
+            </a:p>
+          </p:txBody>
+        </p:sp>
+        <p:sp>
+          <p:nvSpPr>
+            <p:cNvPr id="56" name="Rounded Rectangle 55">
+              <a:extLst>
+                <a:ext uri="{FF2B5EF4-FFF2-40B4-BE49-F238E27FC236}">
+                  <a16:creationId xmlns:a16="http://schemas.microsoft.com/office/drawing/2014/main" id="{9B206558-C212-244B-882C-4401BBA40E5F}"/>
+                </a:ext>
+              </a:extLst>
+            </p:cNvPr>
+            <p:cNvSpPr/>
+            <p:nvPr/>
+          </p:nvSpPr>
+          <p:spPr bwMode="auto">
+            <a:xfrm>
+              <a:off x="1468934" y="1635094"/>
+              <a:ext cx="138128" cy="411476"/>
+            </a:xfrm>
+            <a:prstGeom prst="roundRect">
+              <a:avLst/>
+            </a:prstGeom>
+            <a:solidFill>
+              <a:schemeClr val="bg1">
+                <a:lumMod val="50000"/>
+              </a:schemeClr>
+            </a:solidFill>
+            <a:ln>
+              <a:solidFill>
+                <a:schemeClr val="bg1"/>
+              </a:solidFill>
+              <a:prstDash val="solid"/>
+              <a:headEnd type="none" w="med" len="med"/>
+              <a:tailEnd type="none" w="med" len="med"/>
+            </a:ln>
+            <a:effectLst/>
+          </p:spPr>
+          <p:style>
+            <a:lnRef idx="1">
+              <a:schemeClr val="accent5"/>
+            </a:lnRef>
+            <a:fillRef idx="3">
+              <a:schemeClr val="accent5"/>
+            </a:fillRef>
+            <a:effectRef idx="2">
+              <a:schemeClr val="accent5"/>
+            </a:effectRef>
+            <a:fontRef idx="minor">
+              <a:schemeClr val="lt1"/>
+            </a:fontRef>
+          </p:style>
+          <p:txBody>
+            <a:bodyPr vert="horz" wrap="square" lIns="0" tIns="0" rIns="0" bIns="0" numCol="1" rtlCol="0" anchor="ctr" anchorCtr="0" compatLnSpc="1">
+              <a:prstTxWarp prst="textNoShape">
+                <a:avLst/>
+              </a:prstTxWarp>
+              <a:noAutofit/>
+            </a:bodyPr>
+            <a:lstStyle/>
+            <a:p>
+              <a:pPr algn="ctr" defTabSz="685784" eaLnBrk="0" fontAlgn="base" hangingPunct="0">
+                <a:lnSpc>
+                  <a:spcPct val="90000"/>
+                </a:lnSpc>
+                <a:spcBef>
+                  <a:spcPct val="0"/>
+                </a:spcBef>
+                <a:spcAft>
+                  <a:spcPct val="0"/>
+                </a:spcAft>
+              </a:pPr>
+              <a:r>
+                <a:rPr lang="en-US" sz="675">
+                  <a:solidFill>
+                    <a:srgbClr val="FFFFFF"/>
+                  </a:solidFill>
+                  <a:latin typeface="Arial"/>
+                </a:rPr>
+                <a:t>2</a:t>
+              </a:r>
+              <a:endParaRPr lang="en-US" sz="375">
+                <a:solidFill>
+                  <a:srgbClr val="FFFFFF"/>
+                </a:solidFill>
+                <a:latin typeface="Arial"/>
+              </a:endParaRPr>
+            </a:p>
+          </p:txBody>
+        </p:sp>
+        <p:sp>
+          <p:nvSpPr>
+            <p:cNvPr id="57" name="Rounded Rectangle 56">
+              <a:extLst>
+                <a:ext uri="{FF2B5EF4-FFF2-40B4-BE49-F238E27FC236}">
+                  <a16:creationId xmlns:a16="http://schemas.microsoft.com/office/drawing/2014/main" id="{C1B16EE6-115D-B74F-9908-C792E046EEDA}"/>
+                </a:ext>
+              </a:extLst>
+            </p:cNvPr>
+            <p:cNvSpPr/>
+            <p:nvPr/>
+          </p:nvSpPr>
+          <p:spPr bwMode="auto">
+            <a:xfrm>
+              <a:off x="1606093" y="1635094"/>
+              <a:ext cx="138128" cy="411476"/>
+            </a:xfrm>
+            <a:prstGeom prst="roundRect">
+              <a:avLst/>
+            </a:prstGeom>
+            <a:solidFill>
+              <a:schemeClr val="bg1">
+                <a:lumMod val="50000"/>
+              </a:schemeClr>
+            </a:solidFill>
+            <a:ln>
+              <a:solidFill>
+                <a:schemeClr val="bg1"/>
+              </a:solidFill>
+              <a:prstDash val="solid"/>
+              <a:headEnd type="none" w="med" len="med"/>
+              <a:tailEnd type="none" w="med" len="med"/>
+            </a:ln>
+            <a:effectLst/>
+          </p:spPr>
+          <p:style>
+            <a:lnRef idx="1">
+              <a:schemeClr val="accent5"/>
+            </a:lnRef>
+            <a:fillRef idx="3">
+              <a:schemeClr val="accent5"/>
+            </a:fillRef>
+            <a:effectRef idx="2">
+              <a:schemeClr val="accent5"/>
+            </a:effectRef>
+            <a:fontRef idx="minor">
+              <a:schemeClr val="lt1"/>
+            </a:fontRef>
+          </p:style>
+          <p:txBody>
+            <a:bodyPr vert="horz" wrap="square" lIns="0" tIns="0" rIns="0" bIns="0" numCol="1" rtlCol="0" anchor="ctr" anchorCtr="0" compatLnSpc="1">
+              <a:prstTxWarp prst="textNoShape">
+                <a:avLst/>
+              </a:prstTxWarp>
+              <a:noAutofit/>
+            </a:bodyPr>
+            <a:lstStyle/>
+            <a:p>
+              <a:pPr algn="ctr" defTabSz="685784" eaLnBrk="0" fontAlgn="base" hangingPunct="0">
+                <a:lnSpc>
+                  <a:spcPct val="90000"/>
+                </a:lnSpc>
+                <a:spcBef>
+                  <a:spcPct val="0"/>
+                </a:spcBef>
+                <a:spcAft>
+                  <a:spcPct val="0"/>
+                </a:spcAft>
+              </a:pPr>
+              <a:r>
+                <a:rPr lang="en-US" sz="675">
+                  <a:solidFill>
+                    <a:srgbClr val="FFFFFF"/>
+                  </a:solidFill>
+                  <a:latin typeface="Arial"/>
+                </a:rPr>
+                <a:t>3</a:t>
+              </a:r>
+              <a:endParaRPr lang="en-US" sz="375">
+                <a:solidFill>
+                  <a:srgbClr val="FFFFFF"/>
+                </a:solidFill>
+                <a:latin typeface="Arial"/>
+              </a:endParaRPr>
+            </a:p>
+          </p:txBody>
+        </p:sp>
+        <p:sp>
+          <p:nvSpPr>
+            <p:cNvPr id="58" name="Rounded Rectangle 57">
+              <a:extLst>
+                <a:ext uri="{FF2B5EF4-FFF2-40B4-BE49-F238E27FC236}">
+                  <a16:creationId xmlns:a16="http://schemas.microsoft.com/office/drawing/2014/main" id="{6A318247-726B-D940-BF51-F6AB4C70E3F3}"/>
+                </a:ext>
+              </a:extLst>
+            </p:cNvPr>
+            <p:cNvSpPr/>
+            <p:nvPr/>
+          </p:nvSpPr>
+          <p:spPr bwMode="auto">
+            <a:xfrm>
+              <a:off x="1744220" y="1635094"/>
+              <a:ext cx="138128" cy="411476"/>
+            </a:xfrm>
+            <a:prstGeom prst="roundRect">
+              <a:avLst/>
+            </a:prstGeom>
+            <a:solidFill>
+              <a:schemeClr val="bg1">
+                <a:lumMod val="50000"/>
+              </a:schemeClr>
+            </a:solidFill>
+            <a:ln>
+              <a:solidFill>
+                <a:schemeClr val="bg1"/>
+              </a:solidFill>
+              <a:prstDash val="solid"/>
+              <a:headEnd type="none" w="med" len="med"/>
+              <a:tailEnd type="none" w="med" len="med"/>
+            </a:ln>
+            <a:effectLst/>
+          </p:spPr>
+          <p:style>
+            <a:lnRef idx="1">
+              <a:schemeClr val="accent5"/>
+            </a:lnRef>
+            <a:fillRef idx="3">
+              <a:schemeClr val="accent5"/>
+            </a:fillRef>
+            <a:effectRef idx="2">
+              <a:schemeClr val="accent5"/>
+            </a:effectRef>
+            <a:fontRef idx="minor">
+              <a:schemeClr val="lt1"/>
+            </a:fontRef>
+          </p:style>
+          <p:txBody>
+            <a:bodyPr vert="horz" wrap="square" lIns="0" tIns="0" rIns="0" bIns="0" numCol="1" rtlCol="0" anchor="ctr" anchorCtr="0" compatLnSpc="1">
+              <a:prstTxWarp prst="textNoShape">
+                <a:avLst/>
+              </a:prstTxWarp>
+              <a:noAutofit/>
+            </a:bodyPr>
+            <a:lstStyle/>
+            <a:p>
+              <a:pPr algn="ctr" defTabSz="685784" eaLnBrk="0" fontAlgn="base" hangingPunct="0">
+                <a:lnSpc>
+                  <a:spcPct val="90000"/>
+                </a:lnSpc>
+                <a:spcBef>
+                  <a:spcPct val="0"/>
+                </a:spcBef>
+                <a:spcAft>
+                  <a:spcPct val="0"/>
+                </a:spcAft>
+              </a:pPr>
+              <a:r>
+                <a:rPr lang="en-US" sz="675">
+                  <a:solidFill>
+                    <a:srgbClr val="FFFFFF"/>
+                  </a:solidFill>
+                  <a:latin typeface="Arial"/>
+                </a:rPr>
+                <a:t>4</a:t>
+              </a:r>
+              <a:endParaRPr lang="en-US" sz="375">
+                <a:solidFill>
+                  <a:srgbClr val="FFFFFF"/>
+                </a:solidFill>
+                <a:latin typeface="Arial"/>
+              </a:endParaRPr>
+            </a:p>
+          </p:txBody>
+        </p:sp>
+        <p:sp>
+          <p:nvSpPr>
+            <p:cNvPr id="66" name="Rounded Rectangle 65">
+              <a:extLst>
+                <a:ext uri="{FF2B5EF4-FFF2-40B4-BE49-F238E27FC236}">
+                  <a16:creationId xmlns:a16="http://schemas.microsoft.com/office/drawing/2014/main" id="{EF4E4D49-0207-F042-9F4B-6293A298D3DD}"/>
+                </a:ext>
+              </a:extLst>
+            </p:cNvPr>
+            <p:cNvSpPr/>
+            <p:nvPr/>
+          </p:nvSpPr>
+          <p:spPr bwMode="auto">
+            <a:xfrm>
+              <a:off x="1874043" y="1635094"/>
+              <a:ext cx="138128" cy="411476"/>
+            </a:xfrm>
+            <a:prstGeom prst="roundRect">
+              <a:avLst/>
+            </a:prstGeom>
+            <a:solidFill>
+              <a:schemeClr val="bg1">
+                <a:lumMod val="50000"/>
+              </a:schemeClr>
+            </a:solidFill>
+            <a:ln>
+              <a:solidFill>
+                <a:schemeClr val="bg1"/>
+              </a:solidFill>
+              <a:prstDash val="solid"/>
+              <a:headEnd type="none" w="med" len="med"/>
+              <a:tailEnd type="none" w="med" len="med"/>
+            </a:ln>
+            <a:effectLst/>
+          </p:spPr>
+          <p:style>
+            <a:lnRef idx="1">
+              <a:schemeClr val="accent5"/>
+            </a:lnRef>
+            <a:fillRef idx="3">
+              <a:schemeClr val="accent5"/>
+            </a:fillRef>
+            <a:effectRef idx="2">
+              <a:schemeClr val="accent5"/>
+            </a:effectRef>
+            <a:fontRef idx="minor">
+              <a:schemeClr val="lt1"/>
+            </a:fontRef>
+          </p:style>
+          <p:txBody>
+            <a:bodyPr vert="horz" wrap="square" lIns="0" tIns="0" rIns="0" bIns="0" numCol="1" rtlCol="0" anchor="ctr" anchorCtr="0" compatLnSpc="1">
+              <a:prstTxWarp prst="textNoShape">
+                <a:avLst/>
+              </a:prstTxWarp>
+              <a:noAutofit/>
+            </a:bodyPr>
+            <a:lstStyle/>
+            <a:p>
+              <a:pPr algn="ctr" defTabSz="685784" eaLnBrk="0" fontAlgn="base" hangingPunct="0">
+                <a:lnSpc>
+                  <a:spcPct val="90000"/>
+                </a:lnSpc>
+                <a:spcBef>
+                  <a:spcPct val="0"/>
+                </a:spcBef>
+                <a:spcAft>
+                  <a:spcPct val="0"/>
+                </a:spcAft>
+              </a:pPr>
+              <a:r>
+                <a:rPr lang="en-US" sz="675">
+                  <a:solidFill>
+                    <a:srgbClr val="FFFFFF"/>
+                  </a:solidFill>
+                  <a:latin typeface="Arial"/>
+                </a:rPr>
+                <a:t>5</a:t>
+              </a:r>
+              <a:endParaRPr lang="en-US" sz="375">
+                <a:solidFill>
+                  <a:srgbClr val="FFFFFF"/>
+                </a:solidFill>
+                <a:latin typeface="Arial"/>
+              </a:endParaRPr>
+            </a:p>
+          </p:txBody>
+        </p:sp>
+      </p:grpSp>
+      <p:sp>
+        <p:nvSpPr>
+          <p:cNvPr id="3" name="Rectangle 2">
+            <a:extLst>
+              <a:ext uri="{FF2B5EF4-FFF2-40B4-BE49-F238E27FC236}">
+                <a16:creationId xmlns:a16="http://schemas.microsoft.com/office/drawing/2014/main" id="{BEF119D5-F76C-A94B-BF0B-1BCB30FD88B7}"/>
+              </a:ext>
+            </a:extLst>
+          </p:cNvPr>
+          <p:cNvSpPr/>
+          <p:nvPr/>
+        </p:nvSpPr>
+        <p:spPr>
+          <a:xfrm>
+            <a:off x="1144575" y="3220568"/>
+            <a:ext cx="809837" cy="215444"/>
+          </a:xfrm>
+          <a:prstGeom prst="rect">
+            <a:avLst/>
+          </a:prstGeom>
+        </p:spPr>
+        <p:txBody>
+          <a:bodyPr wrap="none">
+            <a:spAutoFit/>
+          </a:bodyPr>
+          <a:lstStyle/>
+          <a:p>
+            <a:r>
+              <a:rPr lang="en-US" sz="800" dirty="0">
+                <a:solidFill>
+                  <a:srgbClr val="000000"/>
+                </a:solidFill>
+                <a:latin typeface="Menlo" panose="020B0609030804020204" pitchFamily="49" charset="0"/>
+              </a:rPr>
+              <a:t>heartbeats</a:t>
+            </a:r>
+            <a:endParaRPr sz="800" dirty="0"/>
+          </a:p>
+        </p:txBody>
+      </p:sp>
     </p:spTree>
     <p:extLst>
       <p:ext uri="{BB962C8B-B14F-4D97-AF65-F5344CB8AC3E}">
@@ -51574,13 +52157,13 @@
           <a:p>
             <a:pPr algn="ctr" defTabSz="514350"/>
             <a:r>
-              <a:rPr lang="en-US" sz="750" b="1">
+              <a:rPr lang="en-US" sz="750" b="1" dirty="0">
                 <a:solidFill>
                   <a:srgbClr val="0000FF"/>
                 </a:solidFill>
                 <a:latin typeface="Arial"/>
               </a:rPr>
-              <a:t>On-Premise Environment</a:t>
+              <a:t>On-Premise: es-1 cluster</a:t>
             </a:r>
           </a:p>
         </p:txBody>
@@ -52854,14 +53437,455 @@
         </p:nvSpPr>
         <p:spPr>
           <a:xfrm>
-            <a:off x="636690" y="2626945"/>
+            <a:off x="6921960" y="3444819"/>
             <a:ext cx="994405" cy="292973"/>
           </a:xfrm>
           <a:prstGeom prst="roundRect">
             <a:avLst/>
           </a:prstGeom>
           <a:solidFill>
-            <a:schemeClr val="tx2">
+            <a:srgbClr val="00B050"/>
+          </a:solidFill>
+          <a:ln>
+            <a:noFill/>
+          </a:ln>
+          <a:effectLst>
+            <a:outerShdw blurRad="50800" dist="38100" dir="5400000" algn="t" rotWithShape="0">
+              <a:prstClr val="black">
+                <a:alpha val="40000"/>
+              </a:prstClr>
+            </a:outerShdw>
+          </a:effectLst>
+        </p:spPr>
+        <p:style>
+          <a:lnRef idx="2">
+            <a:schemeClr val="accent1">
+              <a:shade val="50000"/>
+            </a:schemeClr>
+          </a:lnRef>
+          <a:fillRef idx="1">
+            <a:schemeClr val="accent1"/>
+          </a:fillRef>
+          <a:effectRef idx="0">
+            <a:schemeClr val="accent1"/>
+          </a:effectRef>
+          <a:fontRef idx="minor">
+            <a:schemeClr val="lt1"/>
+          </a:fontRef>
+        </p:style>
+        <p:txBody>
+          <a:bodyPr rtlCol="0" anchor="t"/>
+          <a:lstStyle/>
+          <a:p>
+            <a:pPr algn="ctr" defTabSz="514350"/>
+            <a:r>
+              <a:rPr lang="en-US" sz="750" dirty="0" err="1">
+                <a:solidFill>
+                  <a:prstClr val="white"/>
+                </a:solidFill>
+                <a:latin typeface="Arial"/>
+              </a:rPr>
+              <a:t>Kafdrop</a:t>
+            </a:r>
+            <a:endParaRPr lang="en-US" sz="750" dirty="0">
+              <a:solidFill>
+                <a:prstClr val="white"/>
+              </a:solidFill>
+              <a:latin typeface="Arial"/>
+            </a:endParaRPr>
+          </a:p>
+        </p:txBody>
+      </p:sp>
+      <p:sp>
+        <p:nvSpPr>
+          <p:cNvPr id="46" name="AutoShape 4">
+            <a:extLst>
+              <a:ext uri="{FF2B5EF4-FFF2-40B4-BE49-F238E27FC236}">
+                <a16:creationId xmlns:a16="http://schemas.microsoft.com/office/drawing/2014/main" id="{490EA60F-E5B8-2A4C-8350-F638E3310E3C}"/>
+              </a:ext>
+            </a:extLst>
+          </p:cNvPr>
+          <p:cNvSpPr>
+            <a:spLocks noChangeArrowheads="1"/>
+          </p:cNvSpPr>
+          <p:nvPr/>
+        </p:nvSpPr>
+        <p:spPr bwMode="auto">
+          <a:xfrm>
+            <a:off x="2008858" y="2530237"/>
+            <a:ext cx="1812650" cy="745412"/>
+          </a:xfrm>
+          <a:prstGeom prst="roundRect">
+            <a:avLst>
+              <a:gd name="adj" fmla="val 7117"/>
+            </a:avLst>
+          </a:prstGeom>
+          <a:noFill/>
+          <a:ln w="12700">
+            <a:solidFill>
+              <a:schemeClr val="accent3"/>
+            </a:solidFill>
+            <a:prstDash val="dash"/>
+            <a:round/>
+            <a:headEnd/>
+            <a:tailEnd/>
+          </a:ln>
+        </p:spPr>
+        <p:txBody>
+          <a:bodyPr lIns="0" tIns="0" rIns="0" bIns="0" anchor="b" anchorCtr="1"/>
+          <a:lstStyle/>
+          <a:p>
+            <a:pPr algn="ctr"/>
+            <a:r>
+              <a:rPr lang="en-US" sz="750" dirty="0"/>
+              <a:t>Kafka Connect Cluster</a:t>
+            </a:r>
+          </a:p>
+        </p:txBody>
+      </p:sp>
+      <p:sp>
+        <p:nvSpPr>
+          <p:cNvPr id="52" name="Cloud 51">
+            <a:extLst>
+              <a:ext uri="{FF2B5EF4-FFF2-40B4-BE49-F238E27FC236}">
+                <a16:creationId xmlns:a16="http://schemas.microsoft.com/office/drawing/2014/main" id="{4695F1F6-1E1D-364B-B95A-5F6E3043E184}"/>
+              </a:ext>
+            </a:extLst>
+          </p:cNvPr>
+          <p:cNvSpPr/>
+          <p:nvPr/>
+        </p:nvSpPr>
+        <p:spPr>
+          <a:xfrm rot="16200000">
+            <a:off x="3800806" y="2418013"/>
+            <a:ext cx="1442045" cy="393701"/>
+          </a:xfrm>
+          <a:prstGeom prst="cloud">
+            <a:avLst/>
+          </a:prstGeom>
+          <a:noFill/>
+          <a:ln>
+            <a:solidFill>
+              <a:schemeClr val="tx2">
+                <a:lumMod val="60000"/>
+                <a:lumOff val="40000"/>
+              </a:schemeClr>
+            </a:solidFill>
+          </a:ln>
+        </p:spPr>
+        <p:style>
+          <a:lnRef idx="2">
+            <a:schemeClr val="accent1">
+              <a:shade val="50000"/>
+            </a:schemeClr>
+          </a:lnRef>
+          <a:fillRef idx="1">
+            <a:schemeClr val="accent1"/>
+          </a:fillRef>
+          <a:effectRef idx="0">
+            <a:schemeClr val="accent1"/>
+          </a:effectRef>
+          <a:fontRef idx="minor">
+            <a:schemeClr val="lt1"/>
+          </a:fontRef>
+        </p:style>
+        <p:txBody>
+          <a:bodyPr rtlCol="0" anchor="ctr"/>
+          <a:lstStyle/>
+          <a:p>
+            <a:pPr algn="ctr"/>
+            <a:endParaRPr lang="en-US" sz="1013"/>
+          </a:p>
+        </p:txBody>
+      </p:sp>
+      <p:pic>
+        <p:nvPicPr>
+          <p:cNvPr id="37" name="Picture 36">
+            <a:extLst>
+              <a:ext uri="{FF2B5EF4-FFF2-40B4-BE49-F238E27FC236}">
+                <a16:creationId xmlns:a16="http://schemas.microsoft.com/office/drawing/2014/main" id="{6D8F6862-7739-D946-A521-B5976D86EED8}"/>
+              </a:ext>
+            </a:extLst>
+          </p:cNvPr>
+          <p:cNvPicPr>
+            <a:picLocks noChangeAspect="1"/>
+          </p:cNvPicPr>
+          <p:nvPr/>
+        </p:nvPicPr>
+        <p:blipFill>
+          <a:blip r:embed="rId3"/>
+          <a:stretch>
+            <a:fillRect/>
+          </a:stretch>
+        </p:blipFill>
+        <p:spPr>
+          <a:xfrm>
+            <a:off x="1956920" y="2941013"/>
+            <a:ext cx="376238" cy="371475"/>
+          </a:xfrm>
+          <a:prstGeom prst="rect">
+            <a:avLst/>
+          </a:prstGeom>
+        </p:spPr>
+      </p:pic>
+      <p:sp>
+        <p:nvSpPr>
+          <p:cNvPr id="38" name="Rounded Rectangle 37">
+            <a:extLst>
+              <a:ext uri="{FF2B5EF4-FFF2-40B4-BE49-F238E27FC236}">
+                <a16:creationId xmlns:a16="http://schemas.microsoft.com/office/drawing/2014/main" id="{B8888133-CCF3-0944-9B5C-B88A02187A65}"/>
+              </a:ext>
+            </a:extLst>
+          </p:cNvPr>
+          <p:cNvSpPr/>
+          <p:nvPr/>
+        </p:nvSpPr>
+        <p:spPr>
+          <a:xfrm>
+            <a:off x="2463609" y="2672578"/>
+            <a:ext cx="994405" cy="292973"/>
+          </a:xfrm>
+          <a:prstGeom prst="roundRect">
+            <a:avLst/>
+          </a:prstGeom>
+          <a:solidFill>
+            <a:srgbClr val="7030A0"/>
+          </a:solidFill>
+          <a:ln>
+            <a:noFill/>
+          </a:ln>
+          <a:effectLst>
+            <a:outerShdw blurRad="50800" dist="38100" dir="5400000" algn="t" rotWithShape="0">
+              <a:prstClr val="black">
+                <a:alpha val="40000"/>
+              </a:prstClr>
+            </a:outerShdw>
+          </a:effectLst>
+        </p:spPr>
+        <p:style>
+          <a:lnRef idx="2">
+            <a:schemeClr val="accent1">
+              <a:shade val="50000"/>
+            </a:schemeClr>
+          </a:lnRef>
+          <a:fillRef idx="1">
+            <a:schemeClr val="accent1"/>
+          </a:fillRef>
+          <a:effectRef idx="0">
+            <a:schemeClr val="accent1"/>
+          </a:effectRef>
+          <a:fontRef idx="minor">
+            <a:schemeClr val="lt1"/>
+          </a:fontRef>
+        </p:style>
+        <p:txBody>
+          <a:bodyPr rtlCol="0" anchor="t"/>
+          <a:lstStyle/>
+          <a:p>
+            <a:pPr algn="ctr" defTabSz="514350"/>
+            <a:r>
+              <a:rPr lang="en-US" sz="750">
+                <a:solidFill>
+                  <a:prstClr val="white"/>
+                </a:solidFill>
+                <a:latin typeface="Arial"/>
+              </a:rPr>
+              <a:t>Mirror Maker 2.0</a:t>
+            </a:r>
+          </a:p>
+        </p:txBody>
+      </p:sp>
+      <p:sp>
+        <p:nvSpPr>
+          <p:cNvPr id="7" name="TextBox 6">
+            <a:extLst>
+              <a:ext uri="{FF2B5EF4-FFF2-40B4-BE49-F238E27FC236}">
+                <a16:creationId xmlns:a16="http://schemas.microsoft.com/office/drawing/2014/main" id="{9C49EA51-B835-094C-91A0-D088AFF81C4B}"/>
+              </a:ext>
+            </a:extLst>
+          </p:cNvPr>
+          <p:cNvSpPr txBox="1"/>
+          <p:nvPr/>
+        </p:nvSpPr>
+        <p:spPr>
+          <a:xfrm>
+            <a:off x="3263370" y="1476355"/>
+            <a:ext cx="577402" cy="276999"/>
+          </a:xfrm>
+          <a:prstGeom prst="rect">
+            <a:avLst/>
+          </a:prstGeom>
+          <a:noFill/>
+        </p:spPr>
+        <p:txBody>
+          <a:bodyPr wrap="none" rtlCol="0">
+            <a:spAutoFit/>
+          </a:bodyPr>
+          <a:lstStyle/>
+          <a:p>
+            <a:r>
+              <a:rPr lang="en-US" sz="1200" dirty="0"/>
+              <a:t>target</a:t>
+            </a:r>
+          </a:p>
+        </p:txBody>
+      </p:sp>
+      <p:sp>
+        <p:nvSpPr>
+          <p:cNvPr id="39" name="TextBox 38">
+            <a:extLst>
+              <a:ext uri="{FF2B5EF4-FFF2-40B4-BE49-F238E27FC236}">
+                <a16:creationId xmlns:a16="http://schemas.microsoft.com/office/drawing/2014/main" id="{E43F178F-4B90-3F45-964F-1FF716720D0E}"/>
+              </a:ext>
+            </a:extLst>
+          </p:cNvPr>
+          <p:cNvSpPr txBox="1"/>
+          <p:nvPr/>
+        </p:nvSpPr>
+        <p:spPr>
+          <a:xfrm>
+            <a:off x="7050077" y="2011888"/>
+            <a:ext cx="644728" cy="276999"/>
+          </a:xfrm>
+          <a:prstGeom prst="rect">
+            <a:avLst/>
+          </a:prstGeom>
+          <a:noFill/>
+        </p:spPr>
+        <p:txBody>
+          <a:bodyPr wrap="none" rtlCol="0">
+            <a:spAutoFit/>
+          </a:bodyPr>
+          <a:lstStyle/>
+          <a:p>
+            <a:r>
+              <a:rPr lang="en-US" sz="1200" dirty="0"/>
+              <a:t>source</a:t>
+            </a:r>
+          </a:p>
+        </p:txBody>
+      </p:sp>
+      <p:cxnSp>
+        <p:nvCxnSpPr>
+          <p:cNvPr id="21" name="Elbow Connector 20">
+            <a:extLst>
+              <a:ext uri="{FF2B5EF4-FFF2-40B4-BE49-F238E27FC236}">
+                <a16:creationId xmlns:a16="http://schemas.microsoft.com/office/drawing/2014/main" id="{1FA5726D-2767-B849-85A3-7CAA002588F7}"/>
+              </a:ext>
+            </a:extLst>
+          </p:cNvPr>
+          <p:cNvCxnSpPr>
+            <a:cxnSpLocks/>
+            <a:stCxn id="11" idx="0"/>
+            <a:endCxn id="38" idx="3"/>
+          </p:cNvCxnSpPr>
+          <p:nvPr/>
+        </p:nvCxnSpPr>
+        <p:spPr>
+          <a:xfrm rot="16200000" flipH="1" flipV="1">
+            <a:off x="4151319" y="941274"/>
+            <a:ext cx="1184485" cy="2571095"/>
+          </a:xfrm>
+          <a:prstGeom prst="bentConnector4">
+            <a:avLst>
+              <a:gd name="adj1" fmla="val -20323"/>
+              <a:gd name="adj2" fmla="val 58618"/>
+            </a:avLst>
+          </a:prstGeom>
+          <a:ln w="12700">
+            <a:solidFill>
+              <a:srgbClr val="7030A0"/>
+            </a:solidFill>
+            <a:headEnd type="triangle"/>
+            <a:tailEnd type="none"/>
+          </a:ln>
+          <a:effectLst/>
+        </p:spPr>
+        <p:style>
+          <a:lnRef idx="2">
+            <a:schemeClr val="accent1"/>
+          </a:lnRef>
+          <a:fillRef idx="0">
+            <a:schemeClr val="accent1"/>
+          </a:fillRef>
+          <a:effectRef idx="1">
+            <a:schemeClr val="accent1"/>
+          </a:effectRef>
+          <a:fontRef idx="minor">
+            <a:schemeClr val="tx1"/>
+          </a:fontRef>
+        </p:style>
+      </p:cxnSp>
+      <p:cxnSp>
+        <p:nvCxnSpPr>
+          <p:cNvPr id="53" name="Elbow Connector 52">
+            <a:extLst>
+              <a:ext uri="{FF2B5EF4-FFF2-40B4-BE49-F238E27FC236}">
+                <a16:creationId xmlns:a16="http://schemas.microsoft.com/office/drawing/2014/main" id="{0DC1C79B-85E9-B246-88E9-908878ECC75B}"/>
+              </a:ext>
+            </a:extLst>
+          </p:cNvPr>
+          <p:cNvCxnSpPr>
+            <a:cxnSpLocks/>
+            <a:stCxn id="38" idx="1"/>
+            <a:endCxn id="33" idx="2"/>
+          </p:cNvCxnSpPr>
+          <p:nvPr/>
+        </p:nvCxnSpPr>
+        <p:spPr>
+          <a:xfrm rot="10800000">
+            <a:off x="1943108" y="2046570"/>
+            <a:ext cx="520502" cy="772494"/>
+          </a:xfrm>
+          <a:prstGeom prst="bentConnector2">
+            <a:avLst/>
+          </a:prstGeom>
+          <a:ln w="12700">
+            <a:solidFill>
+              <a:srgbClr val="7030A0"/>
+            </a:solidFill>
+            <a:headEnd type="triangle"/>
+            <a:tailEnd type="none"/>
+          </a:ln>
+          <a:effectLst/>
+        </p:spPr>
+        <p:style>
+          <a:lnRef idx="2">
+            <a:schemeClr val="accent1"/>
+          </a:lnRef>
+          <a:fillRef idx="0">
+            <a:schemeClr val="accent1"/>
+          </a:fillRef>
+          <a:effectRef idx="1">
+            <a:schemeClr val="accent1"/>
+          </a:effectRef>
+          <a:fontRef idx="minor">
+            <a:schemeClr val="tx1"/>
+          </a:fontRef>
+        </p:style>
+      </p:cxnSp>
+      <p:sp>
+        <p:nvSpPr>
+          <p:cNvPr id="49" name="Rounded Rectangle 48">
+            <a:extLst>
+              <a:ext uri="{FF2B5EF4-FFF2-40B4-BE49-F238E27FC236}">
+                <a16:creationId xmlns:a16="http://schemas.microsoft.com/office/drawing/2014/main" id="{0B0F9AEA-B6CC-084B-A827-8EC8E3F6D6A5}"/>
+              </a:ext>
+            </a:extLst>
+          </p:cNvPr>
+          <p:cNvSpPr/>
+          <p:nvPr/>
+        </p:nvSpPr>
+        <p:spPr>
+          <a:xfrm>
+            <a:off x="2236351" y="3405569"/>
+            <a:ext cx="1218911" cy="371475"/>
+          </a:xfrm>
+          <a:prstGeom prst="roundRect">
+            <a:avLst/>
+          </a:prstGeom>
+          <a:solidFill>
+            <a:schemeClr val="accent2">
               <a:lumMod val="75000"/>
             </a:schemeClr>
           </a:solidFill>
@@ -52904,440 +53928,7 @@
                 </a:solidFill>
                 <a:latin typeface="Arial"/>
               </a:rPr>
-              <a:t>kafka-console-consumer.sh</a:t>
-            </a:r>
-          </a:p>
-        </p:txBody>
-      </p:sp>
-      <p:sp>
-        <p:nvSpPr>
-          <p:cNvPr id="46" name="AutoShape 4">
-            <a:extLst>
-              <a:ext uri="{FF2B5EF4-FFF2-40B4-BE49-F238E27FC236}">
-                <a16:creationId xmlns:a16="http://schemas.microsoft.com/office/drawing/2014/main" id="{490EA60F-E5B8-2A4C-8350-F638E3310E3C}"/>
-              </a:ext>
-            </a:extLst>
-          </p:cNvPr>
-          <p:cNvSpPr>
-            <a:spLocks noChangeArrowheads="1"/>
-          </p:cNvSpPr>
-          <p:nvPr/>
-        </p:nvSpPr>
-        <p:spPr bwMode="auto">
-          <a:xfrm>
-            <a:off x="2008858" y="2530237"/>
-            <a:ext cx="1812650" cy="745412"/>
-          </a:xfrm>
-          <a:prstGeom prst="roundRect">
-            <a:avLst>
-              <a:gd name="adj" fmla="val 7117"/>
-            </a:avLst>
-          </a:prstGeom>
-          <a:noFill/>
-          <a:ln w="12700">
-            <a:solidFill>
-              <a:schemeClr val="accent3"/>
-            </a:solidFill>
-            <a:prstDash val="dash"/>
-            <a:round/>
-            <a:headEnd/>
-            <a:tailEnd/>
-          </a:ln>
-        </p:spPr>
-        <p:txBody>
-          <a:bodyPr lIns="0" tIns="0" rIns="0" bIns="0" anchor="b" anchorCtr="1"/>
-          <a:lstStyle/>
-          <a:p>
-            <a:pPr algn="ctr"/>
-            <a:r>
-              <a:rPr lang="en-US" sz="750" dirty="0"/>
-              <a:t>Kafka Connect Cluster</a:t>
-            </a:r>
-          </a:p>
-        </p:txBody>
-      </p:sp>
-      <p:sp>
-        <p:nvSpPr>
-          <p:cNvPr id="52" name="Cloud 51">
-            <a:extLst>
-              <a:ext uri="{FF2B5EF4-FFF2-40B4-BE49-F238E27FC236}">
-                <a16:creationId xmlns:a16="http://schemas.microsoft.com/office/drawing/2014/main" id="{4695F1F6-1E1D-364B-B95A-5F6E3043E184}"/>
-              </a:ext>
-            </a:extLst>
-          </p:cNvPr>
-          <p:cNvSpPr/>
-          <p:nvPr/>
-        </p:nvSpPr>
-        <p:spPr>
-          <a:xfrm rot="16200000">
-            <a:off x="3800806" y="2418013"/>
-            <a:ext cx="1442045" cy="393701"/>
-          </a:xfrm>
-          <a:prstGeom prst="cloud">
-            <a:avLst/>
-          </a:prstGeom>
-          <a:noFill/>
-          <a:ln>
-            <a:solidFill>
-              <a:schemeClr val="tx2">
-                <a:lumMod val="60000"/>
-                <a:lumOff val="40000"/>
-              </a:schemeClr>
-            </a:solidFill>
-          </a:ln>
-        </p:spPr>
-        <p:style>
-          <a:lnRef idx="2">
-            <a:schemeClr val="accent1">
-              <a:shade val="50000"/>
-            </a:schemeClr>
-          </a:lnRef>
-          <a:fillRef idx="1">
-            <a:schemeClr val="accent1"/>
-          </a:fillRef>
-          <a:effectRef idx="0">
-            <a:schemeClr val="accent1"/>
-          </a:effectRef>
-          <a:fontRef idx="minor">
-            <a:schemeClr val="lt1"/>
-          </a:fontRef>
-        </p:style>
-        <p:txBody>
-          <a:bodyPr rtlCol="0" anchor="ctr"/>
-          <a:lstStyle/>
-          <a:p>
-            <a:pPr algn="ctr"/>
-            <a:endParaRPr lang="en-US" sz="1013"/>
-          </a:p>
-        </p:txBody>
-      </p:sp>
-      <p:pic>
-        <p:nvPicPr>
-          <p:cNvPr id="37" name="Picture 36">
-            <a:extLst>
-              <a:ext uri="{FF2B5EF4-FFF2-40B4-BE49-F238E27FC236}">
-                <a16:creationId xmlns:a16="http://schemas.microsoft.com/office/drawing/2014/main" id="{6D8F6862-7739-D946-A521-B5976D86EED8}"/>
-              </a:ext>
-            </a:extLst>
-          </p:cNvPr>
-          <p:cNvPicPr>
-            <a:picLocks noChangeAspect="1"/>
-          </p:cNvPicPr>
-          <p:nvPr/>
-        </p:nvPicPr>
-        <p:blipFill>
-          <a:blip r:embed="rId3"/>
-          <a:stretch>
-            <a:fillRect/>
-          </a:stretch>
-        </p:blipFill>
-        <p:spPr>
-          <a:xfrm>
-            <a:off x="1956920" y="2941013"/>
-            <a:ext cx="376238" cy="371475"/>
-          </a:xfrm>
-          <a:prstGeom prst="rect">
-            <a:avLst/>
-          </a:prstGeom>
-        </p:spPr>
-      </p:pic>
-      <p:sp>
-        <p:nvSpPr>
-          <p:cNvPr id="38" name="Rounded Rectangle 37">
-            <a:extLst>
-              <a:ext uri="{FF2B5EF4-FFF2-40B4-BE49-F238E27FC236}">
-                <a16:creationId xmlns:a16="http://schemas.microsoft.com/office/drawing/2014/main" id="{B8888133-CCF3-0944-9B5C-B88A02187A65}"/>
-              </a:ext>
-            </a:extLst>
-          </p:cNvPr>
-          <p:cNvSpPr/>
-          <p:nvPr/>
-        </p:nvSpPr>
-        <p:spPr>
-          <a:xfrm>
-            <a:off x="2463609" y="2672578"/>
-            <a:ext cx="994405" cy="292973"/>
-          </a:xfrm>
-          <a:prstGeom prst="roundRect">
-            <a:avLst/>
-          </a:prstGeom>
-          <a:solidFill>
-            <a:srgbClr val="7030A0"/>
-          </a:solidFill>
-          <a:ln>
-            <a:noFill/>
-          </a:ln>
-          <a:effectLst>
-            <a:outerShdw blurRad="50800" dist="38100" dir="5400000" algn="t" rotWithShape="0">
-              <a:prstClr val="black">
-                <a:alpha val="40000"/>
-              </a:prstClr>
-            </a:outerShdw>
-          </a:effectLst>
-        </p:spPr>
-        <p:style>
-          <a:lnRef idx="2">
-            <a:schemeClr val="accent1">
-              <a:shade val="50000"/>
-            </a:schemeClr>
-          </a:lnRef>
-          <a:fillRef idx="1">
-            <a:schemeClr val="accent1"/>
-          </a:fillRef>
-          <a:effectRef idx="0">
-            <a:schemeClr val="accent1"/>
-          </a:effectRef>
-          <a:fontRef idx="minor">
-            <a:schemeClr val="lt1"/>
-          </a:fontRef>
-        </p:style>
-        <p:txBody>
-          <a:bodyPr rtlCol="0" anchor="t"/>
-          <a:lstStyle/>
-          <a:p>
-            <a:pPr algn="ctr" defTabSz="514350"/>
-            <a:r>
-              <a:rPr lang="en-US" sz="750">
-                <a:solidFill>
-                  <a:prstClr val="white"/>
-                </a:solidFill>
-                <a:latin typeface="Arial"/>
-              </a:rPr>
-              <a:t>Mirror Maker 2.0</a:t>
-            </a:r>
-          </a:p>
-        </p:txBody>
-      </p:sp>
-      <p:sp>
-        <p:nvSpPr>
-          <p:cNvPr id="7" name="TextBox 6">
-            <a:extLst>
-              <a:ext uri="{FF2B5EF4-FFF2-40B4-BE49-F238E27FC236}">
-                <a16:creationId xmlns:a16="http://schemas.microsoft.com/office/drawing/2014/main" id="{9C49EA51-B835-094C-91A0-D088AFF81C4B}"/>
-              </a:ext>
-            </a:extLst>
-          </p:cNvPr>
-          <p:cNvSpPr txBox="1"/>
-          <p:nvPr/>
-        </p:nvSpPr>
-        <p:spPr>
-          <a:xfrm>
-            <a:off x="3263370" y="1476355"/>
-            <a:ext cx="577402" cy="276999"/>
-          </a:xfrm>
-          <a:prstGeom prst="rect">
-            <a:avLst/>
-          </a:prstGeom>
-          <a:noFill/>
-        </p:spPr>
-        <p:txBody>
-          <a:bodyPr wrap="none" rtlCol="0">
-            <a:spAutoFit/>
-          </a:bodyPr>
-          <a:lstStyle/>
-          <a:p>
-            <a:r>
-              <a:rPr lang="en-US" sz="1200" dirty="0"/>
-              <a:t>target</a:t>
-            </a:r>
-          </a:p>
-        </p:txBody>
-      </p:sp>
-      <p:sp>
-        <p:nvSpPr>
-          <p:cNvPr id="39" name="TextBox 38">
-            <a:extLst>
-              <a:ext uri="{FF2B5EF4-FFF2-40B4-BE49-F238E27FC236}">
-                <a16:creationId xmlns:a16="http://schemas.microsoft.com/office/drawing/2014/main" id="{E43F178F-4B90-3F45-964F-1FF716720D0E}"/>
-              </a:ext>
-            </a:extLst>
-          </p:cNvPr>
-          <p:cNvSpPr txBox="1"/>
-          <p:nvPr/>
-        </p:nvSpPr>
-        <p:spPr>
-          <a:xfrm>
-            <a:off x="7050077" y="2011888"/>
-            <a:ext cx="644728" cy="276999"/>
-          </a:xfrm>
-          <a:prstGeom prst="rect">
-            <a:avLst/>
-          </a:prstGeom>
-          <a:noFill/>
-        </p:spPr>
-        <p:txBody>
-          <a:bodyPr wrap="none" rtlCol="0">
-            <a:spAutoFit/>
-          </a:bodyPr>
-          <a:lstStyle/>
-          <a:p>
-            <a:r>
-              <a:rPr lang="en-US" sz="1200" dirty="0"/>
-              <a:t>source</a:t>
-            </a:r>
-          </a:p>
-        </p:txBody>
-      </p:sp>
-      <p:cxnSp>
-        <p:nvCxnSpPr>
-          <p:cNvPr id="21" name="Elbow Connector 20">
-            <a:extLst>
-              <a:ext uri="{FF2B5EF4-FFF2-40B4-BE49-F238E27FC236}">
-                <a16:creationId xmlns:a16="http://schemas.microsoft.com/office/drawing/2014/main" id="{1FA5726D-2767-B849-85A3-7CAA002588F7}"/>
-              </a:ext>
-            </a:extLst>
-          </p:cNvPr>
-          <p:cNvCxnSpPr>
-            <a:cxnSpLocks/>
-            <a:stCxn id="11" idx="0"/>
-            <a:endCxn id="38" idx="3"/>
-          </p:cNvCxnSpPr>
-          <p:nvPr/>
-        </p:nvCxnSpPr>
-        <p:spPr>
-          <a:xfrm rot="16200000" flipH="1" flipV="1">
-            <a:off x="4151319" y="941274"/>
-            <a:ext cx="1184485" cy="2571095"/>
-          </a:xfrm>
-          <a:prstGeom prst="bentConnector4">
-            <a:avLst>
-              <a:gd name="adj1" fmla="val -20323"/>
-              <a:gd name="adj2" fmla="val 58618"/>
-            </a:avLst>
-          </a:prstGeom>
-          <a:ln w="15875">
-            <a:solidFill>
-              <a:srgbClr val="7030A0"/>
-            </a:solidFill>
-            <a:tailEnd type="triangle"/>
-          </a:ln>
-          <a:effectLst/>
-        </p:spPr>
-        <p:style>
-          <a:lnRef idx="2">
-            <a:schemeClr val="accent1"/>
-          </a:lnRef>
-          <a:fillRef idx="0">
-            <a:schemeClr val="accent1"/>
-          </a:fillRef>
-          <a:effectRef idx="1">
-            <a:schemeClr val="accent1"/>
-          </a:effectRef>
-          <a:fontRef idx="minor">
-            <a:schemeClr val="tx1"/>
-          </a:fontRef>
-        </p:style>
-      </p:cxnSp>
-      <p:cxnSp>
-        <p:nvCxnSpPr>
-          <p:cNvPr id="53" name="Elbow Connector 52">
-            <a:extLst>
-              <a:ext uri="{FF2B5EF4-FFF2-40B4-BE49-F238E27FC236}">
-                <a16:creationId xmlns:a16="http://schemas.microsoft.com/office/drawing/2014/main" id="{0DC1C79B-85E9-B246-88E9-908878ECC75B}"/>
-              </a:ext>
-            </a:extLst>
-          </p:cNvPr>
-          <p:cNvCxnSpPr>
-            <a:cxnSpLocks/>
-            <a:stCxn id="38" idx="1"/>
-            <a:endCxn id="33" idx="2"/>
-          </p:cNvCxnSpPr>
-          <p:nvPr/>
-        </p:nvCxnSpPr>
-        <p:spPr>
-          <a:xfrm rot="10800000">
-            <a:off x="1943108" y="2046570"/>
-            <a:ext cx="520502" cy="772494"/>
-          </a:xfrm>
-          <a:prstGeom prst="bentConnector2">
-            <a:avLst/>
-          </a:prstGeom>
-          <a:ln w="15875">
-            <a:solidFill>
-              <a:srgbClr val="7030A0"/>
-            </a:solidFill>
-            <a:tailEnd type="triangle"/>
-          </a:ln>
-          <a:effectLst/>
-        </p:spPr>
-        <p:style>
-          <a:lnRef idx="2">
-            <a:schemeClr val="accent1"/>
-          </a:lnRef>
-          <a:fillRef idx="0">
-            <a:schemeClr val="accent1"/>
-          </a:fillRef>
-          <a:effectRef idx="1">
-            <a:schemeClr val="accent1"/>
-          </a:effectRef>
-          <a:fontRef idx="minor">
-            <a:schemeClr val="tx1"/>
-          </a:fontRef>
-        </p:style>
-      </p:cxnSp>
-      <p:sp>
-        <p:nvSpPr>
-          <p:cNvPr id="49" name="Rounded Rectangle 48">
-            <a:extLst>
-              <a:ext uri="{FF2B5EF4-FFF2-40B4-BE49-F238E27FC236}">
-                <a16:creationId xmlns:a16="http://schemas.microsoft.com/office/drawing/2014/main" id="{0B0F9AEA-B6CC-084B-A827-8EC8E3F6D6A5}"/>
-              </a:ext>
-            </a:extLst>
-          </p:cNvPr>
-          <p:cNvSpPr/>
-          <p:nvPr/>
-        </p:nvSpPr>
-        <p:spPr>
-          <a:xfrm>
-            <a:off x="2236351" y="3405569"/>
-            <a:ext cx="1218911" cy="371475"/>
-          </a:xfrm>
-          <a:prstGeom prst="roundRect">
-            <a:avLst/>
-          </a:prstGeom>
-          <a:solidFill>
-            <a:srgbClr val="00B050"/>
-          </a:solidFill>
-          <a:ln>
-            <a:noFill/>
-          </a:ln>
-          <a:effectLst>
-            <a:outerShdw blurRad="50800" dist="38100" dir="5400000" algn="t" rotWithShape="0">
-              <a:prstClr val="black">
-                <a:alpha val="40000"/>
-              </a:prstClr>
-            </a:outerShdw>
-          </a:effectLst>
-        </p:spPr>
-        <p:style>
-          <a:lnRef idx="2">
-            <a:schemeClr val="accent1">
-              <a:shade val="50000"/>
-            </a:schemeClr>
-          </a:lnRef>
-          <a:fillRef idx="1">
-            <a:schemeClr val="accent1"/>
-          </a:fillRef>
-          <a:effectRef idx="0">
-            <a:schemeClr val="accent1"/>
-          </a:effectRef>
-          <a:fontRef idx="minor">
-            <a:schemeClr val="lt1"/>
-          </a:fontRef>
-        </p:style>
-        <p:txBody>
-          <a:bodyPr rtlCol="0" anchor="t"/>
-          <a:lstStyle/>
-          <a:p>
-            <a:pPr algn="ctr" defTabSz="514350"/>
-            <a:r>
-              <a:rPr lang="en-US" sz="750" dirty="0">
-                <a:solidFill>
-                  <a:prstClr val="white"/>
-                </a:solidFill>
-                <a:latin typeface="Arial"/>
-              </a:rPr>
-              <a:t>kafka-console-producer.sh</a:t>
+              <a:t>Send Product py</a:t>
             </a:r>
           </a:p>
         </p:txBody>
@@ -53352,20 +53943,21 @@
             </a:extLst>
           </p:cNvPr>
           <p:cNvCxnSpPr>
-            <a:stCxn id="32" idx="2"/>
+            <a:cxnSpLocks/>
+            <a:stCxn id="10" idx="2"/>
             <a:endCxn id="45" idx="0"/>
           </p:cNvCxnSpPr>
           <p:nvPr/>
         </p:nvCxnSpPr>
         <p:spPr>
-          <a:xfrm rot="5400000">
-            <a:off x="1183401" y="1997061"/>
-            <a:ext cx="580375" cy="679392"/>
+          <a:xfrm rot="16200000" flipH="1">
+            <a:off x="5956174" y="1981830"/>
+            <a:ext cx="1398764" cy="1527213"/>
           </a:xfrm>
           <a:prstGeom prst="bentConnector3">
             <a:avLst/>
           </a:prstGeom>
-          <a:ln>
+          <a:ln w="12700">
             <a:solidFill>
               <a:schemeClr val="accent6"/>
             </a:solidFill>
@@ -53399,15 +53991,15 @@
           </p:cNvPr>
           <p:cNvCxnSpPr>
             <a:cxnSpLocks/>
-            <a:stCxn id="49" idx="3"/>
-            <a:endCxn id="13" idx="2"/>
+            <a:stCxn id="49" idx="1"/>
+            <a:endCxn id="29" idx="2"/>
           </p:cNvCxnSpPr>
           <p:nvPr/>
         </p:nvCxnSpPr>
         <p:spPr>
-          <a:xfrm flipV="1">
-            <a:off x="3455262" y="2046055"/>
-            <a:ext cx="2841797" cy="1545251"/>
+          <a:xfrm rot="10800000">
+            <a:off x="1399869" y="2046571"/>
+            <a:ext cx="836482" cy="1544737"/>
           </a:xfrm>
           <a:prstGeom prst="bentConnector2">
             <a:avLst/>
@@ -53559,7 +54151,7 @@
         </p:nvSpPr>
         <p:spPr>
           <a:xfrm>
-            <a:off x="434662" y="2836927"/>
+            <a:off x="7506399" y="2801043"/>
             <a:ext cx="322730" cy="308102"/>
           </a:xfrm>
           <a:prstGeom prst="ellipse">
@@ -53615,7 +54207,7 @@
         <p:spPr>
           <a:xfrm>
             <a:off x="6369341" y="1637937"/>
-            <a:ext cx="482824" cy="207749"/>
+            <a:ext cx="814647" cy="207749"/>
           </a:xfrm>
           <a:prstGeom prst="rect">
             <a:avLst/>
@@ -53630,7 +54222,7 @@
           <a:p>
             <a:r>
               <a:rPr lang="en-US" sz="750" b="1" dirty="0"/>
-              <a:t>orders</a:t>
+              <a:t>es-1.products</a:t>
             </a:r>
           </a:p>
         </p:txBody>
@@ -53650,7 +54242,7 @@
         <p:spPr>
           <a:xfrm>
             <a:off x="2007036" y="1655652"/>
-            <a:ext cx="824265" cy="207749"/>
+            <a:ext cx="596638" cy="207749"/>
           </a:xfrm>
           <a:prstGeom prst="rect">
             <a:avLst/>
@@ -53665,7 +54257,7 @@
           <a:p>
             <a:r>
               <a:rPr lang="en-US" sz="750" b="1" dirty="0"/>
-              <a:t>source.orders</a:t>
+              <a:t>products</a:t>
             </a:r>
           </a:p>
         </p:txBody>
@@ -53724,6 +54316,42 @@
           <a:xfrm>
             <a:off x="8026345" y="1071776"/>
             <a:ext cx="397442" cy="351885"/>
+          </a:xfrm>
+          <a:prstGeom prst="rect">
+            <a:avLst/>
+          </a:prstGeom>
+        </p:spPr>
+      </p:pic>
+      <p:pic>
+        <p:nvPicPr>
+          <p:cNvPr id="42" name="Picture 41">
+            <a:extLst>
+              <a:ext uri="{FF2B5EF4-FFF2-40B4-BE49-F238E27FC236}">
+                <a16:creationId xmlns:a16="http://schemas.microsoft.com/office/drawing/2014/main" id="{2D857A31-5C45-7B40-90C6-06251DB19946}"/>
+              </a:ext>
+            </a:extLst>
+          </p:cNvPr>
+          <p:cNvPicPr>
+            <a:picLocks noChangeAspect="1"/>
+          </p:cNvPicPr>
+          <p:nvPr/>
+        </p:nvPicPr>
+        <p:blipFill>
+          <a:blip r:embed="rId2">
+            <a:extLst>
+              <a:ext uri="{28A0092B-C50C-407E-A947-70E740481C1C}">
+                <a14:useLocalDpi xmlns:a14="http://schemas.microsoft.com/office/drawing/2010/main" val="0"/>
+              </a:ext>
+            </a:extLst>
+          </a:blip>
+          <a:stretch>
+            <a:fillRect/>
+          </a:stretch>
+        </p:blipFill>
+        <p:spPr>
+          <a:xfrm>
+            <a:off x="562724" y="1489664"/>
+            <a:ext cx="191007" cy="252252"/>
           </a:xfrm>
           <a:prstGeom prst="rect">
             <a:avLst/>
